--- a/Kocsis Balázs Tamás/ppt/React.pptx
+++ b/Kocsis Balázs Tamás/ppt/React.pptx
@@ -113,6 +113,11 @@
       </a:defRPr>
     </a:lvl9pPr>
   </p:defaultTextStyle>
+  <p:extLst>
+    <p:ext uri="{EFAFB233-063F-42B5-8137-9DF3F51BA10A}">
+      <p15:sldGuideLst xmlns:p15="http://schemas.microsoft.com/office/powerpoint/2012/main"/>
+    </p:ext>
+  </p:extLst>
 </p:presentation>
 </file>
 
@@ -330,7 +335,7 @@
             <a:fld id="{B61BEF0D-F0BB-DE4B-95CE-6DB70DBA9567}" type="datetimeFigureOut">
               <a:rPr lang="en-US" dirty="0"/>
               <a:pPr/>
-              <a:t>11/23/2023</a:t>
+              <a:t>11/30/2023</a:t>
             </a:fld>
             <a:endParaRPr lang="en-US" dirty="0"/>
           </a:p>
@@ -618,7 +623,7 @@
             <a:fld id="{B61BEF0D-F0BB-DE4B-95CE-6DB70DBA9567}" type="datetimeFigureOut">
               <a:rPr lang="en-US" dirty="0"/>
               <a:pPr/>
-              <a:t>11/23/2023</a:t>
+              <a:t>11/30/2023</a:t>
             </a:fld>
             <a:endParaRPr lang="en-US" dirty="0"/>
           </a:p>
@@ -874,7 +879,7 @@
             <a:fld id="{B61BEF0D-F0BB-DE4B-95CE-6DB70DBA9567}" type="datetimeFigureOut">
               <a:rPr lang="en-US" dirty="0"/>
               <a:pPr/>
-              <a:t>11/23/2023</a:t>
+              <a:t>11/30/2023</a:t>
             </a:fld>
             <a:endParaRPr lang="en-US" dirty="0"/>
           </a:p>
@@ -1340,7 +1345,7 @@
             <a:fld id="{B61BEF0D-F0BB-DE4B-95CE-6DB70DBA9567}" type="datetimeFigureOut">
               <a:rPr lang="en-US" dirty="0"/>
               <a:pPr/>
-              <a:t>11/23/2023</a:t>
+              <a:t>11/30/2023</a:t>
             </a:fld>
             <a:endParaRPr lang="en-US" dirty="0"/>
           </a:p>
@@ -1517,7 +1522,7 @@
             <a:fld id="{B61BEF0D-F0BB-DE4B-95CE-6DB70DBA9567}" type="datetimeFigureOut">
               <a:rPr lang="en-US" dirty="0"/>
               <a:pPr/>
-              <a:t>11/23/2023</a:t>
+              <a:t>11/30/2023</a:t>
             </a:fld>
             <a:endParaRPr lang="en-US" dirty="0"/>
           </a:p>
@@ -2090,7 +2095,7 @@
             <a:fld id="{B61BEF0D-F0BB-DE4B-95CE-6DB70DBA9567}" type="datetimeFigureOut">
               <a:rPr lang="en-US" dirty="0"/>
               <a:pPr/>
-              <a:t>11/23/2023</a:t>
+              <a:t>11/30/2023</a:t>
             </a:fld>
             <a:endParaRPr lang="en-US" dirty="0"/>
           </a:p>
@@ -2419,7 +2424,7 @@
             <a:fld id="{B61BEF0D-F0BB-DE4B-95CE-6DB70DBA9567}" type="datetimeFigureOut">
               <a:rPr lang="en-US" dirty="0"/>
               <a:pPr/>
-              <a:t>11/23/2023</a:t>
+              <a:t>11/30/2023</a:t>
             </a:fld>
             <a:endParaRPr lang="en-US" dirty="0"/>
           </a:p>
@@ -2591,7 +2596,7 @@
             <a:fld id="{B61BEF0D-F0BB-DE4B-95CE-6DB70DBA9567}" type="datetimeFigureOut">
               <a:rPr lang="en-US" dirty="0"/>
               <a:pPr/>
-              <a:t>11/23/2023</a:t>
+              <a:t>11/30/2023</a:t>
             </a:fld>
             <a:endParaRPr lang="en-US" dirty="0"/>
           </a:p>
@@ -2768,7 +2773,7 @@
             <a:fld id="{B61BEF0D-F0BB-DE4B-95CE-6DB70DBA9567}" type="datetimeFigureOut">
               <a:rPr lang="en-US" dirty="0"/>
               <a:pPr/>
-              <a:t>11/23/2023</a:t>
+              <a:t>11/30/2023</a:t>
             </a:fld>
             <a:endParaRPr lang="en-US" dirty="0"/>
           </a:p>
@@ -2935,7 +2940,7 @@
             <a:fld id="{B61BEF0D-F0BB-DE4B-95CE-6DB70DBA9567}" type="datetimeFigureOut">
               <a:rPr lang="en-US" dirty="0"/>
               <a:pPr/>
-              <a:t>11/23/2023</a:t>
+              <a:t>11/30/2023</a:t>
             </a:fld>
             <a:endParaRPr lang="en-US" dirty="0"/>
           </a:p>
@@ -3189,7 +3194,7 @@
             <a:fld id="{B61BEF0D-F0BB-DE4B-95CE-6DB70DBA9567}" type="datetimeFigureOut">
               <a:rPr lang="en-US" dirty="0"/>
               <a:pPr/>
-              <a:t>11/23/2023</a:t>
+              <a:t>11/30/2023</a:t>
             </a:fld>
             <a:endParaRPr lang="en-US" dirty="0"/>
           </a:p>
@@ -3478,7 +3483,7 @@
             <a:fld id="{B61BEF0D-F0BB-DE4B-95CE-6DB70DBA9567}" type="datetimeFigureOut">
               <a:rPr lang="en-US" dirty="0"/>
               <a:pPr/>
-              <a:t>11/23/2023</a:t>
+              <a:t>11/30/2023</a:t>
             </a:fld>
             <a:endParaRPr lang="en-US" dirty="0"/>
           </a:p>
@@ -3905,7 +3910,7 @@
             <a:fld id="{B61BEF0D-F0BB-DE4B-95CE-6DB70DBA9567}" type="datetimeFigureOut">
               <a:rPr lang="en-US" dirty="0"/>
               <a:pPr/>
-              <a:t>11/23/2023</a:t>
+              <a:t>11/30/2023</a:t>
             </a:fld>
             <a:endParaRPr lang="en-US" dirty="0"/>
           </a:p>
@@ -4020,7 +4025,7 @@
             <a:fld id="{B61BEF0D-F0BB-DE4B-95CE-6DB70DBA9567}" type="datetimeFigureOut">
               <a:rPr lang="en-US" dirty="0"/>
               <a:pPr/>
-              <a:t>11/23/2023</a:t>
+              <a:t>11/30/2023</a:t>
             </a:fld>
             <a:endParaRPr lang="en-US" dirty="0"/>
           </a:p>
@@ -4112,7 +4117,7 @@
             <a:fld id="{B61BEF0D-F0BB-DE4B-95CE-6DB70DBA9567}" type="datetimeFigureOut">
               <a:rPr lang="en-US" dirty="0"/>
               <a:pPr/>
-              <a:t>11/23/2023</a:t>
+              <a:t>11/30/2023</a:t>
             </a:fld>
             <a:endParaRPr lang="en-US" dirty="0"/>
           </a:p>
@@ -4392,7 +4397,7 @@
             <a:fld id="{B61BEF0D-F0BB-DE4B-95CE-6DB70DBA9567}" type="datetimeFigureOut">
               <a:rPr lang="en-US" dirty="0"/>
               <a:pPr/>
-              <a:t>11/23/2023</a:t>
+              <a:t>11/30/2023</a:t>
             </a:fld>
             <a:endParaRPr lang="en-US" dirty="0"/>
           </a:p>
@@ -4680,7 +4685,7 @@
             <a:fld id="{B61BEF0D-F0BB-DE4B-95CE-6DB70DBA9567}" type="datetimeFigureOut">
               <a:rPr lang="en-US" dirty="0"/>
               <a:pPr/>
-              <a:t>11/23/2023</a:t>
+              <a:t>11/30/2023</a:t>
             </a:fld>
             <a:endParaRPr lang="en-US" dirty="0"/>
           </a:p>
@@ -4908,7 +4913,7 @@
             <a:fld id="{B61BEF0D-F0BB-DE4B-95CE-6DB70DBA9567}" type="datetimeFigureOut">
               <a:rPr lang="en-US" dirty="0"/>
               <a:pPr/>
-              <a:t>11/23/2023</a:t>
+              <a:t>11/30/2023</a:t>
             </a:fld>
             <a:endParaRPr lang="en-US" dirty="0"/>
           </a:p>
@@ -5749,13 +5754,13 @@
   <p:clrMapOvr>
     <a:masterClrMapping/>
   </p:clrMapOvr>
-  <mc:AlternateContent xmlns:mc="http://schemas.openxmlformats.org/markup-compatibility/2006">
-    <mc:Choice xmlns:p14="http://schemas.microsoft.com/office/powerpoint/2010/main" Requires="p14">
+  <mc:AlternateContent xmlns:mc="http://schemas.openxmlformats.org/markup-compatibility/2006" xmlns:p14="http://schemas.microsoft.com/office/powerpoint/2010/main">
+    <mc:Choice Requires="p14">
       <p:transition spd="med" p14:dur="700">
         <p:fade/>
       </p:transition>
     </mc:Choice>
-    <mc:Fallback>
+    <mc:Fallback xmlns="">
       <p:transition spd="med">
         <p:fade/>
       </p:transition>
@@ -5830,13 +5835,13 @@
   <p:clrMapOvr>
     <a:masterClrMapping/>
   </p:clrMapOvr>
-  <mc:AlternateContent xmlns:mc="http://schemas.openxmlformats.org/markup-compatibility/2006">
-    <mc:Choice xmlns:p14="http://schemas.microsoft.com/office/powerpoint/2010/main" Requires="p14">
+  <mc:AlternateContent xmlns:mc="http://schemas.openxmlformats.org/markup-compatibility/2006" xmlns:p14="http://schemas.microsoft.com/office/powerpoint/2010/main">
+    <mc:Choice Requires="p14">
       <p:transition spd="med" p14:dur="700">
         <p:fade/>
       </p:transition>
     </mc:Choice>
-    <mc:Fallback>
+    <mc:Fallback xmlns="">
       <p:transition spd="med">
         <p:fade/>
       </p:transition>
@@ -5967,13 +5972,13 @@
   <p:clrMapOvr>
     <a:masterClrMapping/>
   </p:clrMapOvr>
-  <mc:AlternateContent xmlns:mc="http://schemas.openxmlformats.org/markup-compatibility/2006">
-    <mc:Choice xmlns:p14="http://schemas.microsoft.com/office/powerpoint/2010/main" Requires="p14">
+  <mc:AlternateContent xmlns:mc="http://schemas.openxmlformats.org/markup-compatibility/2006" xmlns:p14="http://schemas.microsoft.com/office/powerpoint/2010/main">
+    <mc:Choice Requires="p14">
       <p:transition spd="med" p14:dur="700">
         <p:fade/>
       </p:transition>
     </mc:Choice>
-    <mc:Fallback>
+    <mc:Fallback xmlns="">
       <p:transition spd="med">
         <p:fade/>
       </p:transition>
@@ -6537,7 +6542,7 @@
               <a:rPr lang="hu-HU" sz="2400" dirty="0">
                 <a:effectLst/>
               </a:rPr>
-              <a:t>Virtuális DOM és hatékony frissítések</a:t>
+              <a:t>Virtuális DOM</a:t>
             </a:r>
           </a:p>
           <a:p>
@@ -6678,13 +6683,13 @@
   <p:clrMapOvr>
     <a:masterClrMapping/>
   </p:clrMapOvr>
-  <mc:AlternateContent xmlns:mc="http://schemas.openxmlformats.org/markup-compatibility/2006">
-    <mc:Choice xmlns:p14="http://schemas.microsoft.com/office/powerpoint/2010/main" Requires="p14">
+  <mc:AlternateContent xmlns:mc="http://schemas.openxmlformats.org/markup-compatibility/2006" xmlns:p14="http://schemas.microsoft.com/office/powerpoint/2010/main">
+    <mc:Choice Requires="p14">
       <p:transition spd="med" p14:dur="700">
         <p:fade/>
       </p:transition>
     </mc:Choice>
-    <mc:Fallback>
+    <mc:Fallback xmlns="">
       <p:transition spd="med">
         <p:fade/>
       </p:transition>
@@ -7969,13 +7974,13 @@
   <p:clrMapOvr>
     <a:masterClrMapping/>
   </p:clrMapOvr>
-  <mc:AlternateContent xmlns:mc="http://schemas.openxmlformats.org/markup-compatibility/2006">
-    <mc:Choice xmlns:p14="http://schemas.microsoft.com/office/powerpoint/2010/main" Requires="p14">
+  <mc:AlternateContent xmlns:mc="http://schemas.openxmlformats.org/markup-compatibility/2006" xmlns:p14="http://schemas.microsoft.com/office/powerpoint/2010/main">
+    <mc:Choice Requires="p14">
       <p:transition spd="med" p14:dur="700">
         <p:fade/>
       </p:transition>
     </mc:Choice>
-    <mc:Fallback>
+    <mc:Fallback xmlns="">
       <p:transition spd="med">
         <p:fade/>
       </p:transition>
@@ -8574,13 +8579,13 @@
   <p:clrMapOvr>
     <a:masterClrMapping/>
   </p:clrMapOvr>
-  <mc:AlternateContent xmlns:mc="http://schemas.openxmlformats.org/markup-compatibility/2006">
-    <mc:Choice xmlns:p14="http://schemas.microsoft.com/office/powerpoint/2010/main" Requires="p14">
+  <mc:AlternateContent xmlns:mc="http://schemas.openxmlformats.org/markup-compatibility/2006" xmlns:p14="http://schemas.microsoft.com/office/powerpoint/2010/main">
+    <mc:Choice Requires="p14">
       <p:transition spd="med" p14:dur="700">
         <p:fade/>
       </p:transition>
     </mc:Choice>
-    <mc:Fallback>
+    <mc:Fallback xmlns="">
       <p:transition spd="med">
         <p:fade/>
       </p:transition>
@@ -9225,13 +9230,13 @@
   <p:clrMapOvr>
     <a:masterClrMapping/>
   </p:clrMapOvr>
-  <mc:AlternateContent xmlns:mc="http://schemas.openxmlformats.org/markup-compatibility/2006">
-    <mc:Choice xmlns:p14="http://schemas.microsoft.com/office/powerpoint/2010/main" Requires="p14">
+  <mc:AlternateContent xmlns:mc="http://schemas.openxmlformats.org/markup-compatibility/2006" xmlns:p14="http://schemas.microsoft.com/office/powerpoint/2010/main">
+    <mc:Choice Requires="p14">
       <p:transition spd="med" p14:dur="700">
         <p:fade/>
       </p:transition>
     </mc:Choice>
-    <mc:Fallback>
+    <mc:Fallback xmlns="">
       <p:transition spd="med">
         <p:fade/>
       </p:transition>
@@ -9917,13 +9922,13 @@
   <p:clrMapOvr>
     <a:masterClrMapping/>
   </p:clrMapOvr>
-  <mc:AlternateContent xmlns:mc="http://schemas.openxmlformats.org/markup-compatibility/2006">
-    <mc:Choice xmlns:p14="http://schemas.microsoft.com/office/powerpoint/2010/main" Requires="p14">
+  <mc:AlternateContent xmlns:mc="http://schemas.openxmlformats.org/markup-compatibility/2006" xmlns:p14="http://schemas.microsoft.com/office/powerpoint/2010/main">
+    <mc:Choice Requires="p14">
       <p:transition spd="med" p14:dur="700">
         <p:fade/>
       </p:transition>
     </mc:Choice>
-    <mc:Fallback>
+    <mc:Fallback xmlns="">
       <p:transition spd="med">
         <p:fade/>
       </p:transition>
@@ -10754,13 +10759,13 @@
   <p:clrMapOvr>
     <a:masterClrMapping/>
   </p:clrMapOvr>
-  <mc:AlternateContent xmlns:mc="http://schemas.openxmlformats.org/markup-compatibility/2006">
-    <mc:Choice xmlns:p14="http://schemas.microsoft.com/office/powerpoint/2010/main" Requires="p14">
+  <mc:AlternateContent xmlns:mc="http://schemas.openxmlformats.org/markup-compatibility/2006" xmlns:p14="http://schemas.microsoft.com/office/powerpoint/2010/main">
+    <mc:Choice Requires="p14">
       <p:transition spd="med" p14:dur="700">
         <p:fade/>
       </p:transition>
     </mc:Choice>
-    <mc:Fallback>
+    <mc:Fallback xmlns="">
       <p:transition spd="med">
         <p:fade/>
       </p:transition>
@@ -12800,13 +12805,13 @@
   <p:clrMapOvr>
     <a:masterClrMapping/>
   </p:clrMapOvr>
-  <mc:AlternateContent xmlns:mc="http://schemas.openxmlformats.org/markup-compatibility/2006">
-    <mc:Choice xmlns:p14="http://schemas.microsoft.com/office/powerpoint/2010/main" Requires="p14">
+  <mc:AlternateContent xmlns:mc="http://schemas.openxmlformats.org/markup-compatibility/2006" xmlns:p14="http://schemas.microsoft.com/office/powerpoint/2010/main">
+    <mc:Choice Requires="p14">
       <p:transition spd="med" p14:dur="700">
         <p:fade/>
       </p:transition>
     </mc:Choice>
-    <mc:Fallback>
+    <mc:Fallback xmlns="">
       <p:transition spd="med">
         <p:fade/>
       </p:transition>
